--- a/slides/c06-Java.API.pptx
+++ b/slides/c06-Java.API.pptx
@@ -252,7 +252,7 @@
             <a:fld id="{B2B2FCEE-F6CE-4B8D-9B1B-4676A6BB0AFB}" type="datetimeFigureOut">
               <a:rPr lang="en-US" smtClean="0"/>
               <a:pPr/>
-              <a:t>9/12/2018</a:t>
+              <a:t>9/11/2019</a:t>
             </a:fld>
             <a:endParaRPr lang="en-US"/>
           </a:p>
@@ -419,7 +419,7 @@
             <a:fld id="{E1764091-E49F-4F14-951E-D59F416DB54B}" type="datetimeFigureOut">
               <a:rPr lang="en-US" smtClean="0"/>
               <a:pPr/>
-              <a:t>9/12/2018</a:t>
+              <a:t>9/11/2019</a:t>
             </a:fld>
             <a:endParaRPr lang="en-US" dirty="0"/>
           </a:p>
@@ -757,7 +757,7 @@
             <a:fld id="{B360CDF3-7C04-4453-A430-360A76B1C677}" type="datetime3">
               <a:rPr lang="en-US" smtClean="0"/>
               <a:pPr/>
-              <a:t>12 September 2018</a:t>
+              <a:t>11 September 2019</a:t>
             </a:fld>
             <a:endParaRPr lang="en-US" smtClean="0"/>
           </a:p>
@@ -900,7 +900,7 @@
             <a:fld id="{BD68B408-B872-4F37-B45D-9EE92EF51128}" type="datetime3">
               <a:rPr lang="en-US" smtClean="0"/>
               <a:pPr/>
-              <a:t>12 September 2018</a:t>
+              <a:t>11 September 2019</a:t>
             </a:fld>
             <a:endParaRPr lang="en-US" smtClean="0"/>
           </a:p>
@@ -1043,7 +1043,7 @@
             <a:fld id="{5769902E-1400-409A-ABD9-8E5260CFEC55}" type="datetime3">
               <a:rPr lang="en-US" smtClean="0"/>
               <a:pPr/>
-              <a:t>12 September 2018</a:t>
+              <a:t>11 September 2019</a:t>
             </a:fld>
             <a:endParaRPr lang="en-US" smtClean="0"/>
           </a:p>
@@ -1186,7 +1186,7 @@
             <a:fld id="{FBBE01A1-E349-471D-BB3E-A678EE820998}" type="datetime3">
               <a:rPr lang="en-US" smtClean="0"/>
               <a:pPr/>
-              <a:t>12 September 2018</a:t>
+              <a:t>11 September 2019</a:t>
             </a:fld>
             <a:endParaRPr lang="en-US" smtClean="0"/>
           </a:p>
@@ -1329,7 +1329,7 @@
             <a:fld id="{8A45760E-5D83-4F98-9C75-1AC4B25972D4}" type="datetime3">
               <a:rPr lang="en-US" smtClean="0"/>
               <a:pPr/>
-              <a:t>12 September 2018</a:t>
+              <a:t>11 September 2019</a:t>
             </a:fld>
             <a:endParaRPr lang="en-US" smtClean="0"/>
           </a:p>
@@ -5180,7 +5180,7 @@
           <a:p>
             <a:pPr eaLnBrk="1" hangingPunct="1"/>
             <a:r>
-              <a:rPr lang="en-US" sz="2800" smtClean="0">
+              <a:rPr lang="en-US" sz="2800" dirty="0" smtClean="0">
                 <a:latin typeface="Calibri" pitchFamily="34" charset="0"/>
               </a:rPr>
               <a:t>Store groups (or collections) of object references</a:t>
@@ -5188,14 +5188,14 @@
           </a:p>
           <a:p>
             <a:pPr eaLnBrk="1" hangingPunct="1"/>
-            <a:endParaRPr lang="en-US" sz="2800" smtClean="0">
+            <a:endParaRPr lang="en-US" sz="2800" dirty="0" smtClean="0">
               <a:latin typeface="Calibri" pitchFamily="34" charset="0"/>
             </a:endParaRPr>
           </a:p>
           <a:p>
             <a:pPr eaLnBrk="1" hangingPunct="1"/>
             <a:r>
-              <a:rPr lang="en-US" sz="2800" smtClean="0">
+              <a:rPr lang="en-US" sz="2800" dirty="0" smtClean="0">
                 <a:latin typeface="Calibri" pitchFamily="34" charset="0"/>
               </a:rPr>
               <a:t>Key Interfaces</a:t>
@@ -5204,40 +5204,52 @@
           <a:p>
             <a:pPr lvl="1" eaLnBrk="1" hangingPunct="1"/>
             <a:r>
-              <a:rPr lang="en-US" sz="2400" smtClean="0">
+              <a:rPr lang="en-US" sz="2400" dirty="0" smtClean="0">
                 <a:latin typeface="Calibri" pitchFamily="34" charset="0"/>
               </a:rPr>
+              <a:t>ArrayList</a:t>
+            </a:r>
+          </a:p>
+          <a:p>
+            <a:pPr lvl="1" eaLnBrk="1" hangingPunct="1"/>
+            <a:r>
+              <a:rPr lang="en-US" sz="2400" dirty="0" smtClean="0">
+                <a:latin typeface="Calibri" pitchFamily="34" charset="0"/>
+              </a:rPr>
               <a:t>List</a:t>
             </a:r>
-          </a:p>
-          <a:p>
-            <a:pPr lvl="1" eaLnBrk="1" hangingPunct="1"/>
-            <a:r>
-              <a:rPr lang="en-US" sz="2400" smtClean="0">
-                <a:latin typeface="Calibri" pitchFamily="34" charset="0"/>
-              </a:rPr>
-              <a:t>Set</a:t>
-            </a:r>
-          </a:p>
-          <a:p>
-            <a:pPr lvl="1" eaLnBrk="1" hangingPunct="1"/>
-            <a:r>
-              <a:rPr lang="en-US" sz="2400" smtClean="0">
-                <a:latin typeface="Calibri" pitchFamily="34" charset="0"/>
-              </a:rPr>
-              <a:t>Map</a:t>
-            </a:r>
-          </a:p>
-          <a:p>
-            <a:pPr lvl="1" eaLnBrk="1" hangingPunct="1"/>
-            <a:endParaRPr lang="en-US" sz="2400" smtClean="0">
+            <a:endParaRPr lang="en-US" sz="2400" dirty="0" smtClean="0">
               <a:latin typeface="Calibri" pitchFamily="34" charset="0"/>
             </a:endParaRPr>
           </a:p>
           <a:p>
+            <a:pPr lvl="1" eaLnBrk="1" hangingPunct="1"/>
+            <a:r>
+              <a:rPr lang="en-US" sz="2400" dirty="0" smtClean="0">
+                <a:latin typeface="Calibri" pitchFamily="34" charset="0"/>
+              </a:rPr>
+              <a:t>Set</a:t>
+            </a:r>
+          </a:p>
+          <a:p>
+            <a:pPr lvl="1" eaLnBrk="1" hangingPunct="1"/>
+            <a:r>
+              <a:rPr lang="en-US" sz="2400" dirty="0" smtClean="0">
+                <a:latin typeface="Calibri" pitchFamily="34" charset="0"/>
+              </a:rPr>
+              <a:t>Map</a:t>
+            </a:r>
+          </a:p>
+          <a:p>
+            <a:pPr lvl="1" eaLnBrk="1" hangingPunct="1"/>
+            <a:endParaRPr lang="en-US" sz="2400" dirty="0" smtClean="0">
+              <a:latin typeface="Calibri" pitchFamily="34" charset="0"/>
+            </a:endParaRPr>
+          </a:p>
+          <a:p>
             <a:pPr eaLnBrk="1" hangingPunct="1"/>
             <a:r>
-              <a:rPr lang="en-US" sz="2800" smtClean="0">
+              <a:rPr lang="en-US" sz="2800" dirty="0" smtClean="0">
                 <a:latin typeface="Calibri" pitchFamily="34" charset="0"/>
               </a:rPr>
               <a:t>Approach:</a:t>
@@ -5246,7 +5258,7 @@
           <a:p>
             <a:pPr lvl="1" eaLnBrk="1" hangingPunct="1"/>
             <a:r>
-              <a:rPr lang="en-US" sz="2400" smtClean="0">
+              <a:rPr lang="en-US" sz="2400" dirty="0" smtClean="0">
                 <a:latin typeface="Calibri" pitchFamily="34" charset="0"/>
               </a:rPr>
               <a:t>Pick an interface (program requirements)</a:t>
@@ -5255,7 +5267,7 @@
           <a:p>
             <a:pPr lvl="1" eaLnBrk="1" hangingPunct="1"/>
             <a:r>
-              <a:rPr lang="en-US" sz="2400" smtClean="0">
+              <a:rPr lang="en-US" sz="2400" dirty="0" smtClean="0">
                 <a:latin typeface="Calibri" pitchFamily="34" charset="0"/>
               </a:rPr>
               <a:t>Pick a concrete implementation (size/time tradeoffs)</a:t>
@@ -5423,8 +5435,17 @@
               <a:rPr lang="en-US" sz="2400" dirty="0" smtClean="0">
                 <a:latin typeface="Calibri" pitchFamily="34" charset="0"/>
               </a:rPr>
-              <a:t>Use List interface as much as possible:</a:t>
-            </a:r>
+              <a:t>Use List </a:t>
+            </a:r>
+            <a:r>
+              <a:rPr lang="en-US" sz="2400" dirty="0" smtClean="0">
+                <a:latin typeface="Calibri" pitchFamily="34" charset="0"/>
+              </a:rPr>
+              <a:t>interface for fast insertion and removal:</a:t>
+            </a:r>
+            <a:endParaRPr lang="en-US" sz="2400" dirty="0" smtClean="0">
+              <a:latin typeface="Calibri" pitchFamily="34" charset="0"/>
+            </a:endParaRPr>
           </a:p>
           <a:p>
             <a:pPr lvl="1" eaLnBrk="1" hangingPunct="1">
